--- a/Introduction-to-Docker.pptx
+++ b/Introduction-to-Docker.pptx
@@ -906,6 +906,34 @@
           <a:bodyPr/>
           <a:lstStyle/>
           <a:p>
+            <a:r>
+              <a:rPr lang="en-US" dirty="0" err="1" smtClean="0"/>
+              <a:t>Docker</a:t>
+            </a:r>
+            <a:r>
+              <a:rPr lang="en-US" dirty="0" smtClean="0"/>
+              <a:t> is not a virtual machine. It runs with native or close to native speed.</a:t>
+            </a:r>
+            <a:r>
+              <a:rPr lang="en-US" baseline="0" dirty="0" smtClean="0"/>
+              <a:t> It utilizes </a:t>
+            </a:r>
+            <a:r>
+              <a:rPr lang="en-US" baseline="0" dirty="0" err="1" smtClean="0"/>
+              <a:t>namespacing</a:t>
+            </a:r>
+            <a:r>
+              <a:rPr lang="en-US" baseline="0" dirty="0" smtClean="0"/>
+              <a:t> in Linux to create a safe place for your application to live in, being given access to stuff of your choosing. </a:t>
+            </a:r>
+            <a:r>
+              <a:rPr lang="en-US" baseline="0" dirty="0" err="1" smtClean="0"/>
+              <a:t>Docker</a:t>
+            </a:r>
+            <a:r>
+              <a:rPr lang="en-US" baseline="0" dirty="0" smtClean="0"/>
+              <a:t> is simply a tool to wrap this and provide a way to distribute the applications and their dependencies.</a:t>
+            </a:r>
             <a:endParaRPr lang="en-US" dirty="0"/>
           </a:p>
         </p:txBody>
@@ -2183,13 +2211,8 @@
           <a:p>
             <a:r>
               <a:rPr lang="en-US" baseline="0" dirty="0" smtClean="0"/>
-              <a:t>I know I’m cheating by having all containers open at once, but </a:t>
-            </a:r>
-            <a:r>
-              <a:rPr lang="en-US" baseline="0" smtClean="0"/>
-              <a:t>it doesn’t matter.</a:t>
-            </a:r>
-            <a:endParaRPr lang="en-US" baseline="0" dirty="0" smtClean="0"/>
+              <a:t>I know I’m cheating by having all containers open at once, but it doesn’t matter.</a:t>
+            </a:r>
           </a:p>
           <a:p>
             <a:endParaRPr lang="en-US" baseline="0" dirty="0" smtClean="0"/>
@@ -5574,6 +5597,13 @@
   <p:clrMapOvr>
     <a:masterClrMapping/>
   </p:clrMapOvr>
+  <p:timing>
+    <p:tnLst>
+      <p:par>
+        <p:cTn xmlns:p14="http://schemas.microsoft.com/office/powerpoint/2010/main" id="1" dur="indefinite" restart="never" nodeType="tmRoot"/>
+      </p:par>
+    </p:tnLst>
+  </p:timing>
 </p:sld>
 </file>
 
